--- a/Documents/Powerpoints/1.3 Error Handling & The ref, out, and goto Keywords.pptx
+++ b/Documents/Powerpoints/1.3 Error Handling & The ref, out, and goto Keywords.pptx
@@ -6274,7 +6274,7 @@
           <a:p>
             <a:r>
               <a:rPr lang="en-US" dirty="0"/>
-              <a:t>Simple demo</a:t>
+              <a:t>Simple demo, handling bad input</a:t>
             </a:r>
           </a:p>
         </p:txBody>

--- a/Documents/Powerpoints/1.3 Error Handling & The ref, out, and goto Keywords.pptx
+++ b/Documents/Powerpoints/1.3 Error Handling & The ref, out, and goto Keywords.pptx
@@ -8,8 +8,11 @@
     <p:sldId id="256" r:id="rId2"/>
     <p:sldId id="257" r:id="rId3"/>
     <p:sldId id="258" r:id="rId4"/>
-    <p:sldId id="259" r:id="rId5"/>
-    <p:sldId id="261" r:id="rId6"/>
+    <p:sldId id="262" r:id="rId5"/>
+    <p:sldId id="259" r:id="rId6"/>
+    <p:sldId id="264" r:id="rId7"/>
+    <p:sldId id="265" r:id="rId8"/>
+    <p:sldId id="261" r:id="rId9"/>
   </p:sldIdLst>
   <p:sldSz cx="12192000" cy="6858000"/>
   <p:notesSz cx="6858000" cy="9144000"/>
@@ -301,7 +304,7 @@
           <a:p>
             <a:fld id="{517570FD-78B0-488A-8CDF-FCC61FEA96CB}" type="datetimeFigureOut">
               <a:rPr lang="en-US" smtClean="0"/>
-              <a:t>1/29/2019</a:t>
+              <a:t>2/4/2019</a:t>
             </a:fld>
             <a:endParaRPr lang="en-US"/>
           </a:p>
@@ -604,7 +607,7 @@
           <a:p>
             <a:fld id="{517570FD-78B0-488A-8CDF-FCC61FEA96CB}" type="datetimeFigureOut">
               <a:rPr lang="en-US" smtClean="0"/>
-              <a:t>1/29/2019</a:t>
+              <a:t>2/4/2019</a:t>
             </a:fld>
             <a:endParaRPr lang="en-US"/>
           </a:p>
@@ -796,7 +799,7 @@
           <a:p>
             <a:fld id="{517570FD-78B0-488A-8CDF-FCC61FEA96CB}" type="datetimeFigureOut">
               <a:rPr lang="en-US" smtClean="0"/>
-              <a:t>1/29/2019</a:t>
+              <a:t>2/4/2019</a:t>
             </a:fld>
             <a:endParaRPr lang="en-US"/>
           </a:p>
@@ -1057,7 +1060,7 @@
           <a:p>
             <a:fld id="{517570FD-78B0-488A-8CDF-FCC61FEA96CB}" type="datetimeFigureOut">
               <a:rPr lang="en-US" smtClean="0"/>
-              <a:t>1/29/2019</a:t>
+              <a:t>2/4/2019</a:t>
             </a:fld>
             <a:endParaRPr lang="en-US"/>
           </a:p>
@@ -1481,7 +1484,7 @@
           <a:p>
             <a:fld id="{517570FD-78B0-488A-8CDF-FCC61FEA96CB}" type="datetimeFigureOut">
               <a:rPr lang="en-US" smtClean="0"/>
-              <a:t>1/29/2019</a:t>
+              <a:t>2/4/2019</a:t>
             </a:fld>
             <a:endParaRPr lang="en-US"/>
           </a:p>
@@ -2018,7 +2021,7 @@
           <a:p>
             <a:fld id="{517570FD-78B0-488A-8CDF-FCC61FEA96CB}" type="datetimeFigureOut">
               <a:rPr lang="en-US" smtClean="0"/>
-              <a:t>1/29/2019</a:t>
+              <a:t>2/4/2019</a:t>
             </a:fld>
             <a:endParaRPr lang="en-US"/>
           </a:p>
@@ -2882,7 +2885,7 @@
           <a:p>
             <a:fld id="{517570FD-78B0-488A-8CDF-FCC61FEA96CB}" type="datetimeFigureOut">
               <a:rPr lang="en-US" smtClean="0"/>
-              <a:t>1/29/2019</a:t>
+              <a:t>2/4/2019</a:t>
             </a:fld>
             <a:endParaRPr lang="en-US"/>
           </a:p>
@@ -3052,7 +3055,7 @@
           <a:p>
             <a:fld id="{517570FD-78B0-488A-8CDF-FCC61FEA96CB}" type="datetimeFigureOut">
               <a:rPr lang="en-US" smtClean="0"/>
-              <a:t>1/29/2019</a:t>
+              <a:t>2/4/2019</a:t>
             </a:fld>
             <a:endParaRPr lang="en-US"/>
           </a:p>
@@ -3236,7 +3239,7 @@
           <a:p>
             <a:fld id="{517570FD-78B0-488A-8CDF-FCC61FEA96CB}" type="datetimeFigureOut">
               <a:rPr lang="en-US" smtClean="0"/>
-              <a:t>1/29/2019</a:t>
+              <a:t>2/4/2019</a:t>
             </a:fld>
             <a:endParaRPr lang="en-US"/>
           </a:p>
@@ -3411,7 +3414,7 @@
           <a:p>
             <a:fld id="{517570FD-78B0-488A-8CDF-FCC61FEA96CB}" type="datetimeFigureOut">
               <a:rPr lang="en-US" smtClean="0"/>
-              <a:t>1/29/2019</a:t>
+              <a:t>2/4/2019</a:t>
             </a:fld>
             <a:endParaRPr lang="en-US"/>
           </a:p>
@@ -3655,7 +3658,7 @@
           <a:p>
             <a:fld id="{517570FD-78B0-488A-8CDF-FCC61FEA96CB}" type="datetimeFigureOut">
               <a:rPr lang="en-US" smtClean="0"/>
-              <a:t>1/29/2019</a:t>
+              <a:t>2/4/2019</a:t>
             </a:fld>
             <a:endParaRPr lang="en-US"/>
           </a:p>
@@ -3896,7 +3899,7 @@
           <a:p>
             <a:fld id="{517570FD-78B0-488A-8CDF-FCC61FEA96CB}" type="datetimeFigureOut">
               <a:rPr lang="en-US" smtClean="0"/>
-              <a:t>1/29/2019</a:t>
+              <a:t>2/4/2019</a:t>
             </a:fld>
             <a:endParaRPr lang="en-US"/>
           </a:p>
@@ -4362,7 +4365,7 @@
           <a:p>
             <a:fld id="{517570FD-78B0-488A-8CDF-FCC61FEA96CB}" type="datetimeFigureOut">
               <a:rPr lang="en-US" smtClean="0"/>
-              <a:t>1/29/2019</a:t>
+              <a:t>2/4/2019</a:t>
             </a:fld>
             <a:endParaRPr lang="en-US"/>
           </a:p>
@@ -4480,7 +4483,7 @@
           <a:p>
             <a:fld id="{517570FD-78B0-488A-8CDF-FCC61FEA96CB}" type="datetimeFigureOut">
               <a:rPr lang="en-US" smtClean="0"/>
-              <a:t>1/29/2019</a:t>
+              <a:t>2/4/2019</a:t>
             </a:fld>
             <a:endParaRPr lang="en-US"/>
           </a:p>
@@ -4575,7 +4578,7 @@
           <a:p>
             <a:fld id="{517570FD-78B0-488A-8CDF-FCC61FEA96CB}" type="datetimeFigureOut">
               <a:rPr lang="en-US" smtClean="0"/>
-              <a:t>1/29/2019</a:t>
+              <a:t>2/4/2019</a:t>
             </a:fld>
             <a:endParaRPr lang="en-US"/>
           </a:p>
@@ -4830,7 +4833,7 @@
           <a:p>
             <a:fld id="{517570FD-78B0-488A-8CDF-FCC61FEA96CB}" type="datetimeFigureOut">
               <a:rPr lang="en-US" smtClean="0"/>
-              <a:t>1/29/2019</a:t>
+              <a:t>2/4/2019</a:t>
             </a:fld>
             <a:endParaRPr lang="en-US"/>
           </a:p>
@@ -5130,7 +5133,7 @@
           <a:p>
             <a:fld id="{517570FD-78B0-488A-8CDF-FCC61FEA96CB}" type="datetimeFigureOut">
               <a:rPr lang="en-US" smtClean="0"/>
-              <a:t>1/29/2019</a:t>
+              <a:t>2/4/2019</a:t>
             </a:fld>
             <a:endParaRPr lang="en-US"/>
           </a:p>
@@ -5364,7 +5367,7 @@
           <a:p>
             <a:fld id="{517570FD-78B0-488A-8CDF-FCC61FEA96CB}" type="datetimeFigureOut">
               <a:rPr lang="en-US" smtClean="0"/>
-              <a:t>1/29/2019</a:t>
+              <a:t>2/4/2019</a:t>
             </a:fld>
             <a:endParaRPr lang="en-US"/>
           </a:p>
@@ -6398,6 +6401,66 @@
           <a:chExt cx="0" cy="0"/>
         </a:xfrm>
       </p:grpSpPr>
+      <p:pic>
+        <p:nvPicPr>
+          <p:cNvPr id="4" name="Picture 3">
+            <a:extLst>
+              <a:ext uri="{FF2B5EF4-FFF2-40B4-BE49-F238E27FC236}">
+                <a16:creationId xmlns:a16="http://schemas.microsoft.com/office/drawing/2014/main" id="{A1F9E287-0F19-4ACD-8669-0A72D0C3C087}"/>
+              </a:ext>
+            </a:extLst>
+          </p:cNvPr>
+          <p:cNvPicPr>
+            <a:picLocks noChangeAspect="1"/>
+          </p:cNvPicPr>
+          <p:nvPr/>
+        </p:nvPicPr>
+        <p:blipFill>
+          <a:blip r:embed="rId2"/>
+          <a:stretch>
+            <a:fillRect/>
+          </a:stretch>
+        </p:blipFill>
+        <p:spPr>
+          <a:xfrm>
+            <a:off x="1592105" y="588493"/>
+            <a:ext cx="8997141" cy="5681014"/>
+          </a:xfrm>
+          <a:prstGeom prst="rect">
+            <a:avLst/>
+          </a:prstGeom>
+        </p:spPr>
+      </p:pic>
+    </p:spTree>
+    <p:extLst>
+      <p:ext uri="{BB962C8B-B14F-4D97-AF65-F5344CB8AC3E}">
+        <p14:creationId xmlns:p14="http://schemas.microsoft.com/office/powerpoint/2010/main" val="3815895992"/>
+      </p:ext>
+    </p:extLst>
+  </p:cSld>
+  <p:clrMapOvr>
+    <a:masterClrMapping/>
+  </p:clrMapOvr>
+</p:sld>
+</file>
+
+<file path=ppt/slides/slide5.xml><?xml version="1.0" encoding="utf-8"?>
+<p:sld xmlns:a="http://schemas.openxmlformats.org/drawingml/2006/main" xmlns:r="http://schemas.openxmlformats.org/officeDocument/2006/relationships" xmlns:p="http://schemas.openxmlformats.org/presentationml/2006/main">
+  <p:cSld>
+    <p:spTree>
+      <p:nvGrpSpPr>
+        <p:cNvPr id="1" name=""/>
+        <p:cNvGrpSpPr/>
+        <p:nvPr/>
+      </p:nvGrpSpPr>
+      <p:grpSpPr>
+        <a:xfrm>
+          <a:off x="0" y="0"/>
+          <a:ext cx="0" cy="0"/>
+          <a:chOff x="0" y="0"/>
+          <a:chExt cx="0" cy="0"/>
+        </a:xfrm>
+      </p:grpSpPr>
       <p:sp>
         <p:nvSpPr>
           <p:cNvPr id="2" name="Title 1">
@@ -6528,7 +6591,992 @@
 </p:sld>
 </file>
 
-<file path=ppt/slides/slide5.xml><?xml version="1.0" encoding="utf-8"?>
+<file path=ppt/slides/slide6.xml><?xml version="1.0" encoding="utf-8"?>
+<p:sld xmlns:a="http://schemas.openxmlformats.org/drawingml/2006/main" xmlns:r="http://schemas.openxmlformats.org/officeDocument/2006/relationships" xmlns:p="http://schemas.openxmlformats.org/presentationml/2006/main">
+  <p:cSld>
+    <p:spTree>
+      <p:nvGrpSpPr>
+        <p:cNvPr id="1" name=""/>
+        <p:cNvGrpSpPr/>
+        <p:nvPr/>
+      </p:nvGrpSpPr>
+      <p:grpSpPr>
+        <a:xfrm>
+          <a:off x="0" y="0"/>
+          <a:ext cx="0" cy="0"/>
+          <a:chOff x="0" y="0"/>
+          <a:chExt cx="0" cy="0"/>
+        </a:xfrm>
+      </p:grpSpPr>
+      <p:sp>
+        <p:nvSpPr>
+          <p:cNvPr id="2" name="Title 1">
+            <a:extLst>
+              <a:ext uri="{FF2B5EF4-FFF2-40B4-BE49-F238E27FC236}">
+                <a16:creationId xmlns:a16="http://schemas.microsoft.com/office/drawing/2014/main" id="{2A5C32A8-3F5C-4145-AEC5-7AA4BD7C47AB}"/>
+              </a:ext>
+            </a:extLst>
+          </p:cNvPr>
+          <p:cNvSpPr>
+            <a:spLocks noGrp="1"/>
+          </p:cNvSpPr>
+          <p:nvPr>
+            <p:ph type="title"/>
+          </p:nvPr>
+        </p:nvSpPr>
+        <p:spPr/>
+        <p:txBody>
+          <a:bodyPr/>
+          <a:lstStyle/>
+          <a:p>
+            <a:r>
+              <a:rPr lang="en-US" dirty="0"/>
+              <a:t>Out</a:t>
+            </a:r>
+          </a:p>
+        </p:txBody>
+      </p:sp>
+      <p:sp>
+        <p:nvSpPr>
+          <p:cNvPr id="6" name="Content Placeholder 2">
+            <a:extLst>
+              <a:ext uri="{FF2B5EF4-FFF2-40B4-BE49-F238E27FC236}">
+                <a16:creationId xmlns:a16="http://schemas.microsoft.com/office/drawing/2014/main" id="{6E365C3E-6C0A-44B3-B64C-F2AE6FCEC7C6}"/>
+              </a:ext>
+            </a:extLst>
+          </p:cNvPr>
+          <p:cNvSpPr txBox="1">
+            <a:spLocks/>
+          </p:cNvSpPr>
+          <p:nvPr/>
+        </p:nvSpPr>
+        <p:spPr>
+          <a:xfrm>
+            <a:off x="913795" y="1732450"/>
+            <a:ext cx="10353762" cy="970450"/>
+          </a:xfrm>
+          <a:prstGeom prst="rect">
+            <a:avLst/>
+          </a:prstGeom>
+          <a:effectLst>
+            <a:outerShdw blurRad="25400" dir="17880000">
+              <a:srgbClr val="000000">
+                <a:alpha val="46000"/>
+              </a:srgbClr>
+            </a:outerShdw>
+          </a:effectLst>
+        </p:spPr>
+        <p:txBody>
+          <a:bodyPr vert="horz" lIns="91440" tIns="45720" rIns="91440" bIns="45720" rtlCol="0" anchor="t">
+            <a:normAutofit/>
+          </a:bodyPr>
+          <a:lstStyle>
+            <a:lvl1pPr marL="342900" indent="-306000" algn="l" defTabSz="457200" rtl="0" eaLnBrk="1" latinLnBrk="0" hangingPunct="1">
+              <a:spcBef>
+                <a:spcPct val="20000"/>
+              </a:spcBef>
+              <a:spcAft>
+                <a:spcPts val="600"/>
+              </a:spcAft>
+              <a:buClr>
+                <a:schemeClr val="tx2"/>
+              </a:buClr>
+              <a:buSzPct val="70000"/>
+              <a:buFont typeface="Wingdings 2" charset="2"/>
+              <a:buChar char=""/>
+              <a:defRPr sz="2000" kern="1200">
+                <a:ln>
+                  <a:solidFill>
+                    <a:schemeClr val="bg1">
+                      <a:lumMod val="75000"/>
+                      <a:lumOff val="25000"/>
+                      <a:alpha val="10000"/>
+                    </a:schemeClr>
+                  </a:solidFill>
+                </a:ln>
+                <a:solidFill>
+                  <a:schemeClr val="tx2"/>
+                </a:solidFill>
+                <a:effectLst>
+                  <a:outerShdw blurRad="9525" dist="25400" dir="14640000" algn="tl" rotWithShape="0">
+                    <a:schemeClr val="bg1">
+                      <a:alpha val="30000"/>
+                    </a:schemeClr>
+                  </a:outerShdw>
+                </a:effectLst>
+                <a:latin typeface="+mn-lt"/>
+                <a:ea typeface="+mn-ea"/>
+                <a:cs typeface="+mn-cs"/>
+              </a:defRPr>
+            </a:lvl1pPr>
+            <a:lvl2pPr marL="720000" indent="-270000" algn="l" defTabSz="457200" rtl="0" eaLnBrk="1" latinLnBrk="0" hangingPunct="1">
+              <a:spcBef>
+                <a:spcPct val="20000"/>
+              </a:spcBef>
+              <a:spcAft>
+                <a:spcPts val="600"/>
+              </a:spcAft>
+              <a:buClr>
+                <a:schemeClr val="tx2"/>
+              </a:buClr>
+              <a:buSzPct val="70000"/>
+              <a:buFont typeface="Wingdings 2" charset="2"/>
+              <a:buChar char=""/>
+              <a:defRPr sz="1800" kern="1200">
+                <a:ln>
+                  <a:solidFill>
+                    <a:schemeClr val="bg1">
+                      <a:lumMod val="75000"/>
+                      <a:lumOff val="25000"/>
+                      <a:alpha val="10000"/>
+                    </a:schemeClr>
+                  </a:solidFill>
+                </a:ln>
+                <a:solidFill>
+                  <a:schemeClr val="tx2"/>
+                </a:solidFill>
+                <a:effectLst>
+                  <a:outerShdw blurRad="9525" dist="25400" dir="14640000" algn="tl" rotWithShape="0">
+                    <a:schemeClr val="bg1">
+                      <a:alpha val="30000"/>
+                    </a:schemeClr>
+                  </a:outerShdw>
+                </a:effectLst>
+                <a:latin typeface="+mn-lt"/>
+                <a:ea typeface="+mn-ea"/>
+                <a:cs typeface="+mn-cs"/>
+              </a:defRPr>
+            </a:lvl2pPr>
+            <a:lvl3pPr marL="1026000" indent="-216000" algn="l" defTabSz="457200" rtl="0" eaLnBrk="1" latinLnBrk="0" hangingPunct="1">
+              <a:spcBef>
+                <a:spcPct val="20000"/>
+              </a:spcBef>
+              <a:spcAft>
+                <a:spcPts val="600"/>
+              </a:spcAft>
+              <a:buClr>
+                <a:schemeClr val="tx2"/>
+              </a:buClr>
+              <a:buSzPct val="70000"/>
+              <a:buFont typeface="Wingdings 2" charset="2"/>
+              <a:buChar char=""/>
+              <a:defRPr sz="1600" kern="1200">
+                <a:ln>
+                  <a:solidFill>
+                    <a:schemeClr val="bg1">
+                      <a:lumMod val="75000"/>
+                      <a:lumOff val="25000"/>
+                      <a:alpha val="10000"/>
+                    </a:schemeClr>
+                  </a:solidFill>
+                </a:ln>
+                <a:solidFill>
+                  <a:schemeClr val="tx2"/>
+                </a:solidFill>
+                <a:effectLst>
+                  <a:outerShdw blurRad="9525" dist="25400" dir="14640000" algn="tl" rotWithShape="0">
+                    <a:schemeClr val="bg1">
+                      <a:alpha val="30000"/>
+                    </a:schemeClr>
+                  </a:outerShdw>
+                </a:effectLst>
+                <a:latin typeface="+mn-lt"/>
+                <a:ea typeface="+mn-ea"/>
+                <a:cs typeface="+mn-cs"/>
+              </a:defRPr>
+            </a:lvl3pPr>
+            <a:lvl4pPr marL="1386000" indent="-216000" algn="l" defTabSz="457200" rtl="0" eaLnBrk="1" latinLnBrk="0" hangingPunct="1">
+              <a:spcBef>
+                <a:spcPct val="20000"/>
+              </a:spcBef>
+              <a:spcAft>
+                <a:spcPts val="600"/>
+              </a:spcAft>
+              <a:buClr>
+                <a:schemeClr val="tx2"/>
+              </a:buClr>
+              <a:buSzPct val="70000"/>
+              <a:buFont typeface="Wingdings 2" charset="2"/>
+              <a:buChar char=""/>
+              <a:defRPr sz="1400" kern="1200">
+                <a:ln>
+                  <a:solidFill>
+                    <a:schemeClr val="bg1">
+                      <a:lumMod val="75000"/>
+                      <a:lumOff val="25000"/>
+                      <a:alpha val="10000"/>
+                    </a:schemeClr>
+                  </a:solidFill>
+                </a:ln>
+                <a:solidFill>
+                  <a:schemeClr val="tx2"/>
+                </a:solidFill>
+                <a:effectLst>
+                  <a:outerShdw blurRad="9525" dist="25400" dir="14640000" algn="tl" rotWithShape="0">
+                    <a:schemeClr val="bg1">
+                      <a:alpha val="30000"/>
+                    </a:schemeClr>
+                  </a:outerShdw>
+                </a:effectLst>
+                <a:latin typeface="+mn-lt"/>
+                <a:ea typeface="+mn-ea"/>
+                <a:cs typeface="+mn-cs"/>
+              </a:defRPr>
+            </a:lvl4pPr>
+            <a:lvl5pPr marL="1674000" indent="-216000" algn="l" defTabSz="457200" rtl="0" eaLnBrk="1" latinLnBrk="0" hangingPunct="1">
+              <a:spcBef>
+                <a:spcPct val="20000"/>
+              </a:spcBef>
+              <a:spcAft>
+                <a:spcPts val="600"/>
+              </a:spcAft>
+              <a:buClr>
+                <a:schemeClr val="tx2"/>
+              </a:buClr>
+              <a:buSzPct val="70000"/>
+              <a:buFont typeface="Wingdings 2" charset="2"/>
+              <a:buChar char=""/>
+              <a:defRPr sz="1400" kern="1200">
+                <a:ln>
+                  <a:solidFill>
+                    <a:schemeClr val="bg1">
+                      <a:lumMod val="75000"/>
+                      <a:lumOff val="25000"/>
+                      <a:alpha val="10000"/>
+                    </a:schemeClr>
+                  </a:solidFill>
+                </a:ln>
+                <a:solidFill>
+                  <a:schemeClr val="tx2"/>
+                </a:solidFill>
+                <a:effectLst>
+                  <a:outerShdw blurRad="9525" dist="25400" dir="14640000" algn="tl" rotWithShape="0">
+                    <a:schemeClr val="bg1">
+                      <a:alpha val="30000"/>
+                    </a:schemeClr>
+                  </a:outerShdw>
+                </a:effectLst>
+                <a:latin typeface="+mn-lt"/>
+                <a:ea typeface="+mn-ea"/>
+                <a:cs typeface="+mn-cs"/>
+              </a:defRPr>
+            </a:lvl5pPr>
+            <a:lvl6pPr marL="2014600" indent="-228600" algn="l" defTabSz="457200" rtl="0" eaLnBrk="1" latinLnBrk="0" hangingPunct="1">
+              <a:spcBef>
+                <a:spcPct val="20000"/>
+              </a:spcBef>
+              <a:spcAft>
+                <a:spcPts val="600"/>
+              </a:spcAft>
+              <a:buClr>
+                <a:schemeClr val="tx2"/>
+              </a:buClr>
+              <a:buSzPct val="70000"/>
+              <a:buFont typeface="Wingdings 2" charset="2"/>
+              <a:buChar char=""/>
+              <a:defRPr sz="1400" kern="1200">
+                <a:ln>
+                  <a:solidFill>
+                    <a:schemeClr val="bg1">
+                      <a:lumMod val="75000"/>
+                      <a:lumOff val="25000"/>
+                      <a:alpha val="10000"/>
+                    </a:schemeClr>
+                  </a:solidFill>
+                </a:ln>
+                <a:solidFill>
+                  <a:schemeClr val="tx2"/>
+                </a:solidFill>
+                <a:effectLst>
+                  <a:outerShdw blurRad="9525" dist="25400" dir="14640000" algn="tl" rotWithShape="0">
+                    <a:schemeClr val="bg1">
+                      <a:alpha val="30000"/>
+                    </a:schemeClr>
+                  </a:outerShdw>
+                </a:effectLst>
+                <a:latin typeface="+mn-lt"/>
+                <a:ea typeface="+mn-ea"/>
+                <a:cs typeface="+mn-cs"/>
+              </a:defRPr>
+            </a:lvl6pPr>
+            <a:lvl7pPr marL="2401800" indent="-228600" algn="l" defTabSz="457200" rtl="0" eaLnBrk="1" latinLnBrk="0" hangingPunct="1">
+              <a:spcBef>
+                <a:spcPct val="20000"/>
+              </a:spcBef>
+              <a:spcAft>
+                <a:spcPts val="600"/>
+              </a:spcAft>
+              <a:buClr>
+                <a:schemeClr val="tx2"/>
+              </a:buClr>
+              <a:buSzPct val="70000"/>
+              <a:buFont typeface="Wingdings 2" charset="2"/>
+              <a:buChar char=""/>
+              <a:defRPr sz="1400" kern="1200">
+                <a:ln>
+                  <a:solidFill>
+                    <a:schemeClr val="bg1">
+                      <a:lumMod val="75000"/>
+                      <a:lumOff val="25000"/>
+                      <a:alpha val="10000"/>
+                    </a:schemeClr>
+                  </a:solidFill>
+                </a:ln>
+                <a:solidFill>
+                  <a:schemeClr val="tx2"/>
+                </a:solidFill>
+                <a:effectLst>
+                  <a:outerShdw blurRad="9525" dist="25400" dir="14640000" algn="tl" rotWithShape="0">
+                    <a:schemeClr val="bg1">
+                      <a:alpha val="30000"/>
+                    </a:schemeClr>
+                  </a:outerShdw>
+                </a:effectLst>
+                <a:latin typeface="+mn-lt"/>
+                <a:ea typeface="+mn-ea"/>
+                <a:cs typeface="+mn-cs"/>
+              </a:defRPr>
+            </a:lvl7pPr>
+            <a:lvl8pPr marL="2789000" indent="-228600" algn="l" defTabSz="457200" rtl="0" eaLnBrk="1" latinLnBrk="0" hangingPunct="1">
+              <a:spcBef>
+                <a:spcPct val="20000"/>
+              </a:spcBef>
+              <a:spcAft>
+                <a:spcPts val="600"/>
+              </a:spcAft>
+              <a:buClr>
+                <a:schemeClr val="tx2"/>
+              </a:buClr>
+              <a:buSzPct val="70000"/>
+              <a:buFont typeface="Wingdings 2" charset="2"/>
+              <a:buChar char=""/>
+              <a:defRPr sz="1400" kern="1200">
+                <a:ln>
+                  <a:solidFill>
+                    <a:schemeClr val="bg1">
+                      <a:lumMod val="75000"/>
+                      <a:lumOff val="25000"/>
+                      <a:alpha val="10000"/>
+                    </a:schemeClr>
+                  </a:solidFill>
+                </a:ln>
+                <a:solidFill>
+                  <a:schemeClr val="tx2"/>
+                </a:solidFill>
+                <a:effectLst>
+                  <a:outerShdw blurRad="9525" dist="25400" dir="14640000" algn="tl" rotWithShape="0">
+                    <a:schemeClr val="bg1">
+                      <a:alpha val="30000"/>
+                    </a:schemeClr>
+                  </a:outerShdw>
+                </a:effectLst>
+                <a:latin typeface="+mn-lt"/>
+                <a:ea typeface="+mn-ea"/>
+                <a:cs typeface="+mn-cs"/>
+              </a:defRPr>
+            </a:lvl8pPr>
+            <a:lvl9pPr marL="3106200" indent="-228600" algn="l" defTabSz="457200" rtl="0" eaLnBrk="1" latinLnBrk="0" hangingPunct="1">
+              <a:spcBef>
+                <a:spcPct val="20000"/>
+              </a:spcBef>
+              <a:spcAft>
+                <a:spcPts val="600"/>
+              </a:spcAft>
+              <a:buClr>
+                <a:schemeClr val="tx2"/>
+              </a:buClr>
+              <a:buSzPct val="70000"/>
+              <a:buFont typeface="Wingdings 2" charset="2"/>
+              <a:buChar char=""/>
+              <a:defRPr sz="1400" kern="1200">
+                <a:ln>
+                  <a:solidFill>
+                    <a:schemeClr val="bg1">
+                      <a:lumMod val="75000"/>
+                      <a:lumOff val="25000"/>
+                      <a:alpha val="10000"/>
+                    </a:schemeClr>
+                  </a:solidFill>
+                </a:ln>
+                <a:solidFill>
+                  <a:schemeClr val="tx2"/>
+                </a:solidFill>
+                <a:effectLst>
+                  <a:outerShdw blurRad="9525" dist="25400" dir="14640000" algn="tl" rotWithShape="0">
+                    <a:schemeClr val="bg1">
+                      <a:alpha val="30000"/>
+                    </a:schemeClr>
+                  </a:outerShdw>
+                </a:effectLst>
+                <a:latin typeface="+mn-lt"/>
+                <a:ea typeface="+mn-ea"/>
+                <a:cs typeface="+mn-cs"/>
+              </a:defRPr>
+            </a:lvl9pPr>
+          </a:lstStyle>
+          <a:p>
+            <a:r>
+              <a:rPr lang="en-US" dirty="0"/>
+              <a:t>Out allows you to return multiple values as well. In the example below the function returns a Boolean, but it also sets the value of </a:t>
+            </a:r>
+            <a:r>
+              <a:rPr lang="en-US" dirty="0" err="1"/>
+              <a:t>userInput</a:t>
+            </a:r>
+            <a:endParaRPr lang="en-US" dirty="0"/>
+          </a:p>
+        </p:txBody>
+      </p:sp>
+      <p:pic>
+        <p:nvPicPr>
+          <p:cNvPr id="9" name="Picture 8">
+            <a:extLst>
+              <a:ext uri="{FF2B5EF4-FFF2-40B4-BE49-F238E27FC236}">
+                <a16:creationId xmlns:a16="http://schemas.microsoft.com/office/drawing/2014/main" id="{3869CB52-02E1-43E3-B970-6BD9FC00A721}"/>
+              </a:ext>
+            </a:extLst>
+          </p:cNvPr>
+          <p:cNvPicPr>
+            <a:picLocks noChangeAspect="1"/>
+          </p:cNvPicPr>
+          <p:nvPr/>
+        </p:nvPicPr>
+        <p:blipFill>
+          <a:blip r:embed="rId2"/>
+          <a:stretch>
+            <a:fillRect/>
+          </a:stretch>
+        </p:blipFill>
+        <p:spPr>
+          <a:xfrm>
+            <a:off x="2088199" y="2476378"/>
+            <a:ext cx="8015601" cy="4266952"/>
+          </a:xfrm>
+          <a:prstGeom prst="rect">
+            <a:avLst/>
+          </a:prstGeom>
+        </p:spPr>
+      </p:pic>
+    </p:spTree>
+    <p:extLst>
+      <p:ext uri="{BB962C8B-B14F-4D97-AF65-F5344CB8AC3E}">
+        <p14:creationId xmlns:p14="http://schemas.microsoft.com/office/powerpoint/2010/main" val="3361751621"/>
+      </p:ext>
+    </p:extLst>
+  </p:cSld>
+  <p:clrMapOvr>
+    <a:masterClrMapping/>
+  </p:clrMapOvr>
+</p:sld>
+</file>
+
+<file path=ppt/slides/slide7.xml><?xml version="1.0" encoding="utf-8"?>
+<p:sld xmlns:a="http://schemas.openxmlformats.org/drawingml/2006/main" xmlns:r="http://schemas.openxmlformats.org/officeDocument/2006/relationships" xmlns:p="http://schemas.openxmlformats.org/presentationml/2006/main">
+  <p:cSld>
+    <p:spTree>
+      <p:nvGrpSpPr>
+        <p:cNvPr id="1" name=""/>
+        <p:cNvGrpSpPr/>
+        <p:nvPr/>
+      </p:nvGrpSpPr>
+      <p:grpSpPr>
+        <a:xfrm>
+          <a:off x="0" y="0"/>
+          <a:ext cx="0" cy="0"/>
+          <a:chOff x="0" y="0"/>
+          <a:chExt cx="0" cy="0"/>
+        </a:xfrm>
+      </p:grpSpPr>
+      <p:sp>
+        <p:nvSpPr>
+          <p:cNvPr id="2" name="Title 1">
+            <a:extLst>
+              <a:ext uri="{FF2B5EF4-FFF2-40B4-BE49-F238E27FC236}">
+                <a16:creationId xmlns:a16="http://schemas.microsoft.com/office/drawing/2014/main" id="{2A5C32A8-3F5C-4145-AEC5-7AA4BD7C47AB}"/>
+              </a:ext>
+            </a:extLst>
+          </p:cNvPr>
+          <p:cNvSpPr>
+            <a:spLocks noGrp="1"/>
+          </p:cNvSpPr>
+          <p:nvPr>
+            <p:ph type="title"/>
+          </p:nvPr>
+        </p:nvSpPr>
+        <p:spPr/>
+        <p:txBody>
+          <a:bodyPr/>
+          <a:lstStyle/>
+          <a:p>
+            <a:r>
+              <a:rPr lang="en-US" dirty="0"/>
+              <a:t>Ref</a:t>
+            </a:r>
+          </a:p>
+        </p:txBody>
+      </p:sp>
+      <p:pic>
+        <p:nvPicPr>
+          <p:cNvPr id="5" name="Content Placeholder 4">
+            <a:extLst>
+              <a:ext uri="{FF2B5EF4-FFF2-40B4-BE49-F238E27FC236}">
+                <a16:creationId xmlns:a16="http://schemas.microsoft.com/office/drawing/2014/main" id="{A0BE9ED5-4DCA-45F4-A2D9-E81B129E93B5}"/>
+              </a:ext>
+            </a:extLst>
+          </p:cNvPr>
+          <p:cNvPicPr>
+            <a:picLocks noGrp="1" noChangeAspect="1"/>
+          </p:cNvPicPr>
+          <p:nvPr>
+            <p:ph idx="1"/>
+          </p:nvPr>
+        </p:nvPicPr>
+        <p:blipFill>
+          <a:blip r:embed="rId2"/>
+          <a:stretch>
+            <a:fillRect/>
+          </a:stretch>
+        </p:blipFill>
+        <p:spPr>
+          <a:xfrm>
+            <a:off x="6163793" y="2994466"/>
+            <a:ext cx="5979391" cy="2968592"/>
+          </a:xfrm>
+          <a:prstGeom prst="rect">
+            <a:avLst/>
+          </a:prstGeom>
+        </p:spPr>
+      </p:pic>
+      <p:pic>
+        <p:nvPicPr>
+          <p:cNvPr id="4" name="Picture 3">
+            <a:extLst>
+              <a:ext uri="{FF2B5EF4-FFF2-40B4-BE49-F238E27FC236}">
+                <a16:creationId xmlns:a16="http://schemas.microsoft.com/office/drawing/2014/main" id="{5050D80B-D1C4-46B6-9A68-5E7C92E9A4D1}"/>
+              </a:ext>
+            </a:extLst>
+          </p:cNvPr>
+          <p:cNvPicPr>
+            <a:picLocks noChangeAspect="1"/>
+          </p:cNvPicPr>
+          <p:nvPr/>
+        </p:nvPicPr>
+        <p:blipFill>
+          <a:blip r:embed="rId3"/>
+          <a:stretch>
+            <a:fillRect/>
+          </a:stretch>
+        </p:blipFill>
+        <p:spPr>
+          <a:xfrm>
+            <a:off x="48816" y="2994466"/>
+            <a:ext cx="6080594" cy="2968592"/>
+          </a:xfrm>
+          <a:prstGeom prst="rect">
+            <a:avLst/>
+          </a:prstGeom>
+        </p:spPr>
+      </p:pic>
+      <p:sp>
+        <p:nvSpPr>
+          <p:cNvPr id="6" name="Content Placeholder 2">
+            <a:extLst>
+              <a:ext uri="{FF2B5EF4-FFF2-40B4-BE49-F238E27FC236}">
+                <a16:creationId xmlns:a16="http://schemas.microsoft.com/office/drawing/2014/main" id="{6E365C3E-6C0A-44B3-B64C-F2AE6FCEC7C6}"/>
+              </a:ext>
+            </a:extLst>
+          </p:cNvPr>
+          <p:cNvSpPr txBox="1">
+            <a:spLocks/>
+          </p:cNvSpPr>
+          <p:nvPr/>
+        </p:nvSpPr>
+        <p:spPr>
+          <a:xfrm>
+            <a:off x="913795" y="1732450"/>
+            <a:ext cx="10353762" cy="970450"/>
+          </a:xfrm>
+          <a:prstGeom prst="rect">
+            <a:avLst/>
+          </a:prstGeom>
+          <a:effectLst>
+            <a:outerShdw blurRad="25400" dir="17880000">
+              <a:srgbClr val="000000">
+                <a:alpha val="46000"/>
+              </a:srgbClr>
+            </a:outerShdw>
+          </a:effectLst>
+        </p:spPr>
+        <p:txBody>
+          <a:bodyPr vert="horz" lIns="91440" tIns="45720" rIns="91440" bIns="45720" rtlCol="0" anchor="t">
+            <a:normAutofit/>
+          </a:bodyPr>
+          <a:lstStyle>
+            <a:lvl1pPr marL="342900" indent="-306000" algn="l" defTabSz="457200" rtl="0" eaLnBrk="1" latinLnBrk="0" hangingPunct="1">
+              <a:spcBef>
+                <a:spcPct val="20000"/>
+              </a:spcBef>
+              <a:spcAft>
+                <a:spcPts val="600"/>
+              </a:spcAft>
+              <a:buClr>
+                <a:schemeClr val="tx2"/>
+              </a:buClr>
+              <a:buSzPct val="70000"/>
+              <a:buFont typeface="Wingdings 2" charset="2"/>
+              <a:buChar char=""/>
+              <a:defRPr sz="2000" kern="1200">
+                <a:ln>
+                  <a:solidFill>
+                    <a:schemeClr val="bg1">
+                      <a:lumMod val="75000"/>
+                      <a:lumOff val="25000"/>
+                      <a:alpha val="10000"/>
+                    </a:schemeClr>
+                  </a:solidFill>
+                </a:ln>
+                <a:solidFill>
+                  <a:schemeClr val="tx2"/>
+                </a:solidFill>
+                <a:effectLst>
+                  <a:outerShdw blurRad="9525" dist="25400" dir="14640000" algn="tl" rotWithShape="0">
+                    <a:schemeClr val="bg1">
+                      <a:alpha val="30000"/>
+                    </a:schemeClr>
+                  </a:outerShdw>
+                </a:effectLst>
+                <a:latin typeface="+mn-lt"/>
+                <a:ea typeface="+mn-ea"/>
+                <a:cs typeface="+mn-cs"/>
+              </a:defRPr>
+            </a:lvl1pPr>
+            <a:lvl2pPr marL="720000" indent="-270000" algn="l" defTabSz="457200" rtl="0" eaLnBrk="1" latinLnBrk="0" hangingPunct="1">
+              <a:spcBef>
+                <a:spcPct val="20000"/>
+              </a:spcBef>
+              <a:spcAft>
+                <a:spcPts val="600"/>
+              </a:spcAft>
+              <a:buClr>
+                <a:schemeClr val="tx2"/>
+              </a:buClr>
+              <a:buSzPct val="70000"/>
+              <a:buFont typeface="Wingdings 2" charset="2"/>
+              <a:buChar char=""/>
+              <a:defRPr sz="1800" kern="1200">
+                <a:ln>
+                  <a:solidFill>
+                    <a:schemeClr val="bg1">
+                      <a:lumMod val="75000"/>
+                      <a:lumOff val="25000"/>
+                      <a:alpha val="10000"/>
+                    </a:schemeClr>
+                  </a:solidFill>
+                </a:ln>
+                <a:solidFill>
+                  <a:schemeClr val="tx2"/>
+                </a:solidFill>
+                <a:effectLst>
+                  <a:outerShdw blurRad="9525" dist="25400" dir="14640000" algn="tl" rotWithShape="0">
+                    <a:schemeClr val="bg1">
+                      <a:alpha val="30000"/>
+                    </a:schemeClr>
+                  </a:outerShdw>
+                </a:effectLst>
+                <a:latin typeface="+mn-lt"/>
+                <a:ea typeface="+mn-ea"/>
+                <a:cs typeface="+mn-cs"/>
+              </a:defRPr>
+            </a:lvl2pPr>
+            <a:lvl3pPr marL="1026000" indent="-216000" algn="l" defTabSz="457200" rtl="0" eaLnBrk="1" latinLnBrk="0" hangingPunct="1">
+              <a:spcBef>
+                <a:spcPct val="20000"/>
+              </a:spcBef>
+              <a:spcAft>
+                <a:spcPts val="600"/>
+              </a:spcAft>
+              <a:buClr>
+                <a:schemeClr val="tx2"/>
+              </a:buClr>
+              <a:buSzPct val="70000"/>
+              <a:buFont typeface="Wingdings 2" charset="2"/>
+              <a:buChar char=""/>
+              <a:defRPr sz="1600" kern="1200">
+                <a:ln>
+                  <a:solidFill>
+                    <a:schemeClr val="bg1">
+                      <a:lumMod val="75000"/>
+                      <a:lumOff val="25000"/>
+                      <a:alpha val="10000"/>
+                    </a:schemeClr>
+                  </a:solidFill>
+                </a:ln>
+                <a:solidFill>
+                  <a:schemeClr val="tx2"/>
+                </a:solidFill>
+                <a:effectLst>
+                  <a:outerShdw blurRad="9525" dist="25400" dir="14640000" algn="tl" rotWithShape="0">
+                    <a:schemeClr val="bg1">
+                      <a:alpha val="30000"/>
+                    </a:schemeClr>
+                  </a:outerShdw>
+                </a:effectLst>
+                <a:latin typeface="+mn-lt"/>
+                <a:ea typeface="+mn-ea"/>
+                <a:cs typeface="+mn-cs"/>
+              </a:defRPr>
+            </a:lvl3pPr>
+            <a:lvl4pPr marL="1386000" indent="-216000" algn="l" defTabSz="457200" rtl="0" eaLnBrk="1" latinLnBrk="0" hangingPunct="1">
+              <a:spcBef>
+                <a:spcPct val="20000"/>
+              </a:spcBef>
+              <a:spcAft>
+                <a:spcPts val="600"/>
+              </a:spcAft>
+              <a:buClr>
+                <a:schemeClr val="tx2"/>
+              </a:buClr>
+              <a:buSzPct val="70000"/>
+              <a:buFont typeface="Wingdings 2" charset="2"/>
+              <a:buChar char=""/>
+              <a:defRPr sz="1400" kern="1200">
+                <a:ln>
+                  <a:solidFill>
+                    <a:schemeClr val="bg1">
+                      <a:lumMod val="75000"/>
+                      <a:lumOff val="25000"/>
+                      <a:alpha val="10000"/>
+                    </a:schemeClr>
+                  </a:solidFill>
+                </a:ln>
+                <a:solidFill>
+                  <a:schemeClr val="tx2"/>
+                </a:solidFill>
+                <a:effectLst>
+                  <a:outerShdw blurRad="9525" dist="25400" dir="14640000" algn="tl" rotWithShape="0">
+                    <a:schemeClr val="bg1">
+                      <a:alpha val="30000"/>
+                    </a:schemeClr>
+                  </a:outerShdw>
+                </a:effectLst>
+                <a:latin typeface="+mn-lt"/>
+                <a:ea typeface="+mn-ea"/>
+                <a:cs typeface="+mn-cs"/>
+              </a:defRPr>
+            </a:lvl4pPr>
+            <a:lvl5pPr marL="1674000" indent="-216000" algn="l" defTabSz="457200" rtl="0" eaLnBrk="1" latinLnBrk="0" hangingPunct="1">
+              <a:spcBef>
+                <a:spcPct val="20000"/>
+              </a:spcBef>
+              <a:spcAft>
+                <a:spcPts val="600"/>
+              </a:spcAft>
+              <a:buClr>
+                <a:schemeClr val="tx2"/>
+              </a:buClr>
+              <a:buSzPct val="70000"/>
+              <a:buFont typeface="Wingdings 2" charset="2"/>
+              <a:buChar char=""/>
+              <a:defRPr sz="1400" kern="1200">
+                <a:ln>
+                  <a:solidFill>
+                    <a:schemeClr val="bg1">
+                      <a:lumMod val="75000"/>
+                      <a:lumOff val="25000"/>
+                      <a:alpha val="10000"/>
+                    </a:schemeClr>
+                  </a:solidFill>
+                </a:ln>
+                <a:solidFill>
+                  <a:schemeClr val="tx2"/>
+                </a:solidFill>
+                <a:effectLst>
+                  <a:outerShdw blurRad="9525" dist="25400" dir="14640000" algn="tl" rotWithShape="0">
+                    <a:schemeClr val="bg1">
+                      <a:alpha val="30000"/>
+                    </a:schemeClr>
+                  </a:outerShdw>
+                </a:effectLst>
+                <a:latin typeface="+mn-lt"/>
+                <a:ea typeface="+mn-ea"/>
+                <a:cs typeface="+mn-cs"/>
+              </a:defRPr>
+            </a:lvl5pPr>
+            <a:lvl6pPr marL="2014600" indent="-228600" algn="l" defTabSz="457200" rtl="0" eaLnBrk="1" latinLnBrk="0" hangingPunct="1">
+              <a:spcBef>
+                <a:spcPct val="20000"/>
+              </a:spcBef>
+              <a:spcAft>
+                <a:spcPts val="600"/>
+              </a:spcAft>
+              <a:buClr>
+                <a:schemeClr val="tx2"/>
+              </a:buClr>
+              <a:buSzPct val="70000"/>
+              <a:buFont typeface="Wingdings 2" charset="2"/>
+              <a:buChar char=""/>
+              <a:defRPr sz="1400" kern="1200">
+                <a:ln>
+                  <a:solidFill>
+                    <a:schemeClr val="bg1">
+                      <a:lumMod val="75000"/>
+                      <a:lumOff val="25000"/>
+                      <a:alpha val="10000"/>
+                    </a:schemeClr>
+                  </a:solidFill>
+                </a:ln>
+                <a:solidFill>
+                  <a:schemeClr val="tx2"/>
+                </a:solidFill>
+                <a:effectLst>
+                  <a:outerShdw blurRad="9525" dist="25400" dir="14640000" algn="tl" rotWithShape="0">
+                    <a:schemeClr val="bg1">
+                      <a:alpha val="30000"/>
+                    </a:schemeClr>
+                  </a:outerShdw>
+                </a:effectLst>
+                <a:latin typeface="+mn-lt"/>
+                <a:ea typeface="+mn-ea"/>
+                <a:cs typeface="+mn-cs"/>
+              </a:defRPr>
+            </a:lvl6pPr>
+            <a:lvl7pPr marL="2401800" indent="-228600" algn="l" defTabSz="457200" rtl="0" eaLnBrk="1" latinLnBrk="0" hangingPunct="1">
+              <a:spcBef>
+                <a:spcPct val="20000"/>
+              </a:spcBef>
+              <a:spcAft>
+                <a:spcPts val="600"/>
+              </a:spcAft>
+              <a:buClr>
+                <a:schemeClr val="tx2"/>
+              </a:buClr>
+              <a:buSzPct val="70000"/>
+              <a:buFont typeface="Wingdings 2" charset="2"/>
+              <a:buChar char=""/>
+              <a:defRPr sz="1400" kern="1200">
+                <a:ln>
+                  <a:solidFill>
+                    <a:schemeClr val="bg1">
+                      <a:lumMod val="75000"/>
+                      <a:lumOff val="25000"/>
+                      <a:alpha val="10000"/>
+                    </a:schemeClr>
+                  </a:solidFill>
+                </a:ln>
+                <a:solidFill>
+                  <a:schemeClr val="tx2"/>
+                </a:solidFill>
+                <a:effectLst>
+                  <a:outerShdw blurRad="9525" dist="25400" dir="14640000" algn="tl" rotWithShape="0">
+                    <a:schemeClr val="bg1">
+                      <a:alpha val="30000"/>
+                    </a:schemeClr>
+                  </a:outerShdw>
+                </a:effectLst>
+                <a:latin typeface="+mn-lt"/>
+                <a:ea typeface="+mn-ea"/>
+                <a:cs typeface="+mn-cs"/>
+              </a:defRPr>
+            </a:lvl7pPr>
+            <a:lvl8pPr marL="2789000" indent="-228600" algn="l" defTabSz="457200" rtl="0" eaLnBrk="1" latinLnBrk="0" hangingPunct="1">
+              <a:spcBef>
+                <a:spcPct val="20000"/>
+              </a:spcBef>
+              <a:spcAft>
+                <a:spcPts val="600"/>
+              </a:spcAft>
+              <a:buClr>
+                <a:schemeClr val="tx2"/>
+              </a:buClr>
+              <a:buSzPct val="70000"/>
+              <a:buFont typeface="Wingdings 2" charset="2"/>
+              <a:buChar char=""/>
+              <a:defRPr sz="1400" kern="1200">
+                <a:ln>
+                  <a:solidFill>
+                    <a:schemeClr val="bg1">
+                      <a:lumMod val="75000"/>
+                      <a:lumOff val="25000"/>
+                      <a:alpha val="10000"/>
+                    </a:schemeClr>
+                  </a:solidFill>
+                </a:ln>
+                <a:solidFill>
+                  <a:schemeClr val="tx2"/>
+                </a:solidFill>
+                <a:effectLst>
+                  <a:outerShdw blurRad="9525" dist="25400" dir="14640000" algn="tl" rotWithShape="0">
+                    <a:schemeClr val="bg1">
+                      <a:alpha val="30000"/>
+                    </a:schemeClr>
+                  </a:outerShdw>
+                </a:effectLst>
+                <a:latin typeface="+mn-lt"/>
+                <a:ea typeface="+mn-ea"/>
+                <a:cs typeface="+mn-cs"/>
+              </a:defRPr>
+            </a:lvl8pPr>
+            <a:lvl9pPr marL="3106200" indent="-228600" algn="l" defTabSz="457200" rtl="0" eaLnBrk="1" latinLnBrk="0" hangingPunct="1">
+              <a:spcBef>
+                <a:spcPct val="20000"/>
+              </a:spcBef>
+              <a:spcAft>
+                <a:spcPts val="600"/>
+              </a:spcAft>
+              <a:buClr>
+                <a:schemeClr val="tx2"/>
+              </a:buClr>
+              <a:buSzPct val="70000"/>
+              <a:buFont typeface="Wingdings 2" charset="2"/>
+              <a:buChar char=""/>
+              <a:defRPr sz="1400" kern="1200">
+                <a:ln>
+                  <a:solidFill>
+                    <a:schemeClr val="bg1">
+                      <a:lumMod val="75000"/>
+                      <a:lumOff val="25000"/>
+                      <a:alpha val="10000"/>
+                    </a:schemeClr>
+                  </a:solidFill>
+                </a:ln>
+                <a:solidFill>
+                  <a:schemeClr val="tx2"/>
+                </a:solidFill>
+                <a:effectLst>
+                  <a:outerShdw blurRad="9525" dist="25400" dir="14640000" algn="tl" rotWithShape="0">
+                    <a:schemeClr val="bg1">
+                      <a:alpha val="30000"/>
+                    </a:schemeClr>
+                  </a:outerShdw>
+                </a:effectLst>
+                <a:latin typeface="+mn-lt"/>
+                <a:ea typeface="+mn-ea"/>
+                <a:cs typeface="+mn-cs"/>
+              </a:defRPr>
+            </a:lvl9pPr>
+          </a:lstStyle>
+          <a:p>
+            <a:r>
+              <a:rPr lang="en-US" dirty="0"/>
+              <a:t>Ref forces value types to be sent by reference as opposed to by value. Allows interactions like what is seen below.</a:t>
+            </a:r>
+          </a:p>
+        </p:txBody>
+      </p:sp>
+    </p:spTree>
+    <p:extLst>
+      <p:ext uri="{BB962C8B-B14F-4D97-AF65-F5344CB8AC3E}">
+        <p14:creationId xmlns:p14="http://schemas.microsoft.com/office/powerpoint/2010/main" val="327302168"/>
+      </p:ext>
+    </p:extLst>
+  </p:cSld>
+  <p:clrMapOvr>
+    <a:masterClrMapping/>
+  </p:clrMapOvr>
+</p:sld>
+</file>
+
+<file path=ppt/slides/slide8.xml><?xml version="1.0" encoding="utf-8"?>
 <p:sld xmlns:a="http://schemas.openxmlformats.org/drawingml/2006/main" xmlns:r="http://schemas.openxmlformats.org/officeDocument/2006/relationships" xmlns:p="http://schemas.openxmlformats.org/presentationml/2006/main">
   <p:cSld>
     <p:spTree>
